--- a/Презентация.pptx
+++ b/Презентация.pptx
@@ -212,7 +212,7 @@
           <a:p>
             <a:fld id="{7FB564F2-E882-43E8-B38A-618070AC5FB3}" type="datetimeFigureOut">
               <a:rPr lang="ru-RU" smtClean="0"/>
-              <a:t>21.05.2024</a:t>
+              <a:t>23.05.2024</a:t>
             </a:fld>
             <a:endParaRPr lang="ru-RU"/>
           </a:p>
@@ -626,7 +626,7 @@
           <a:p>
             <a:fld id="{DDC647A9-AAA3-4641-ACE7-C285BA9E2E71}" type="datetimeFigureOut">
               <a:rPr lang="ru-RU" smtClean="0"/>
-              <a:t>21.05.2024</a:t>
+              <a:t>23.05.2024</a:t>
             </a:fld>
             <a:endParaRPr lang="ru-RU"/>
           </a:p>
@@ -824,7 +824,7 @@
           <a:p>
             <a:fld id="{DDC647A9-AAA3-4641-ACE7-C285BA9E2E71}" type="datetimeFigureOut">
               <a:rPr lang="ru-RU" smtClean="0"/>
-              <a:t>21.05.2024</a:t>
+              <a:t>23.05.2024</a:t>
             </a:fld>
             <a:endParaRPr lang="ru-RU"/>
           </a:p>
@@ -1032,7 +1032,7 @@
           <a:p>
             <a:fld id="{DDC647A9-AAA3-4641-ACE7-C285BA9E2E71}" type="datetimeFigureOut">
               <a:rPr lang="ru-RU" smtClean="0"/>
-              <a:t>21.05.2024</a:t>
+              <a:t>23.05.2024</a:t>
             </a:fld>
             <a:endParaRPr lang="ru-RU"/>
           </a:p>
@@ -1230,7 +1230,7 @@
           <a:p>
             <a:fld id="{DDC647A9-AAA3-4641-ACE7-C285BA9E2E71}" type="datetimeFigureOut">
               <a:rPr lang="ru-RU" smtClean="0"/>
-              <a:t>21.05.2024</a:t>
+              <a:t>23.05.2024</a:t>
             </a:fld>
             <a:endParaRPr lang="ru-RU"/>
           </a:p>
@@ -1505,7 +1505,7 @@
           <a:p>
             <a:fld id="{DDC647A9-AAA3-4641-ACE7-C285BA9E2E71}" type="datetimeFigureOut">
               <a:rPr lang="ru-RU" smtClean="0"/>
-              <a:t>21.05.2024</a:t>
+              <a:t>23.05.2024</a:t>
             </a:fld>
             <a:endParaRPr lang="ru-RU"/>
           </a:p>
@@ -1770,7 +1770,7 @@
           <a:p>
             <a:fld id="{DDC647A9-AAA3-4641-ACE7-C285BA9E2E71}" type="datetimeFigureOut">
               <a:rPr lang="ru-RU" smtClean="0"/>
-              <a:t>21.05.2024</a:t>
+              <a:t>23.05.2024</a:t>
             </a:fld>
             <a:endParaRPr lang="ru-RU"/>
           </a:p>
@@ -2182,7 +2182,7 @@
           <a:p>
             <a:fld id="{DDC647A9-AAA3-4641-ACE7-C285BA9E2E71}" type="datetimeFigureOut">
               <a:rPr lang="ru-RU" smtClean="0"/>
-              <a:t>21.05.2024</a:t>
+              <a:t>23.05.2024</a:t>
             </a:fld>
             <a:endParaRPr lang="ru-RU"/>
           </a:p>
@@ -2323,7 +2323,7 @@
           <a:p>
             <a:fld id="{DDC647A9-AAA3-4641-ACE7-C285BA9E2E71}" type="datetimeFigureOut">
               <a:rPr lang="ru-RU" smtClean="0"/>
-              <a:t>21.05.2024</a:t>
+              <a:t>23.05.2024</a:t>
             </a:fld>
             <a:endParaRPr lang="ru-RU"/>
           </a:p>
@@ -2436,7 +2436,7 @@
           <a:p>
             <a:fld id="{DDC647A9-AAA3-4641-ACE7-C285BA9E2E71}" type="datetimeFigureOut">
               <a:rPr lang="ru-RU" smtClean="0"/>
-              <a:t>21.05.2024</a:t>
+              <a:t>23.05.2024</a:t>
             </a:fld>
             <a:endParaRPr lang="ru-RU"/>
           </a:p>
@@ -2747,7 +2747,7 @@
           <a:p>
             <a:fld id="{DDC647A9-AAA3-4641-ACE7-C285BA9E2E71}" type="datetimeFigureOut">
               <a:rPr lang="ru-RU" smtClean="0"/>
-              <a:t>21.05.2024</a:t>
+              <a:t>23.05.2024</a:t>
             </a:fld>
             <a:endParaRPr lang="ru-RU"/>
           </a:p>
@@ -3035,7 +3035,7 @@
           <a:p>
             <a:fld id="{DDC647A9-AAA3-4641-ACE7-C285BA9E2E71}" type="datetimeFigureOut">
               <a:rPr lang="ru-RU" smtClean="0"/>
-              <a:t>21.05.2024</a:t>
+              <a:t>23.05.2024</a:t>
             </a:fld>
             <a:endParaRPr lang="ru-RU"/>
           </a:p>
@@ -3276,7 +3276,7 @@
           <a:p>
             <a:fld id="{DDC647A9-AAA3-4641-ACE7-C285BA9E2E71}" type="datetimeFigureOut">
               <a:rPr lang="ru-RU" smtClean="0"/>
-              <a:t>21.05.2024</a:t>
+              <a:t>23.05.2024</a:t>
             </a:fld>
             <a:endParaRPr lang="ru-RU"/>
           </a:p>
@@ -3716,8 +3716,8 @@
           <a:lstStyle/>
           <a:p>
             <a:r>
-              <a:rPr lang="ru-RU" dirty="0"/>
-              <a:t>Курсовая работа </a:t>
+              <a:rPr lang="ru-RU"/>
+              <a:t>Дипломная работа</a:t>
             </a:r>
             <a:br>
               <a:rPr lang="ru-RU" dirty="0"/>
